--- a/Prezentatsia.pptx
+++ b/Prezentatsia.pptx
@@ -247,7 +247,7 @@
           <a:p>
             <a:fld id="{0F7B38E9-DBAE-4AA2-BF3B-13DCA674FB12}" type="datetimeFigureOut">
               <a:rPr lang="ru-RU" smtClean="0"/>
-              <a:t>12.11.2023</a:t>
+              <a:t>13.11.2023</a:t>
             </a:fld>
             <a:endParaRPr lang="ru-RU"/>
           </a:p>
@@ -415,7 +415,7 @@
           <a:p>
             <a:fld id="{0F7B38E9-DBAE-4AA2-BF3B-13DCA674FB12}" type="datetimeFigureOut">
               <a:rPr lang="ru-RU" smtClean="0"/>
-              <a:t>12.11.2023</a:t>
+              <a:t>13.11.2023</a:t>
             </a:fld>
             <a:endParaRPr lang="ru-RU"/>
           </a:p>
@@ -593,7 +593,7 @@
           <a:p>
             <a:fld id="{0F7B38E9-DBAE-4AA2-BF3B-13DCA674FB12}" type="datetimeFigureOut">
               <a:rPr lang="ru-RU" smtClean="0"/>
-              <a:t>12.11.2023</a:t>
+              <a:t>13.11.2023</a:t>
             </a:fld>
             <a:endParaRPr lang="ru-RU"/>
           </a:p>
@@ -761,7 +761,7 @@
           <a:p>
             <a:fld id="{0F7B38E9-DBAE-4AA2-BF3B-13DCA674FB12}" type="datetimeFigureOut">
               <a:rPr lang="ru-RU" smtClean="0"/>
-              <a:t>12.11.2023</a:t>
+              <a:t>13.11.2023</a:t>
             </a:fld>
             <a:endParaRPr lang="ru-RU"/>
           </a:p>
@@ -1006,7 +1006,7 @@
           <a:p>
             <a:fld id="{0F7B38E9-DBAE-4AA2-BF3B-13DCA674FB12}" type="datetimeFigureOut">
               <a:rPr lang="ru-RU" smtClean="0"/>
-              <a:t>12.11.2023</a:t>
+              <a:t>13.11.2023</a:t>
             </a:fld>
             <a:endParaRPr lang="ru-RU"/>
           </a:p>
@@ -1235,7 +1235,7 @@
           <a:p>
             <a:fld id="{0F7B38E9-DBAE-4AA2-BF3B-13DCA674FB12}" type="datetimeFigureOut">
               <a:rPr lang="ru-RU" smtClean="0"/>
-              <a:t>12.11.2023</a:t>
+              <a:t>13.11.2023</a:t>
             </a:fld>
             <a:endParaRPr lang="ru-RU"/>
           </a:p>
@@ -1599,7 +1599,7 @@
           <a:p>
             <a:fld id="{0F7B38E9-DBAE-4AA2-BF3B-13DCA674FB12}" type="datetimeFigureOut">
               <a:rPr lang="ru-RU" smtClean="0"/>
-              <a:t>12.11.2023</a:t>
+              <a:t>13.11.2023</a:t>
             </a:fld>
             <a:endParaRPr lang="ru-RU"/>
           </a:p>
@@ -1716,7 +1716,7 @@
           <a:p>
             <a:fld id="{0F7B38E9-DBAE-4AA2-BF3B-13DCA674FB12}" type="datetimeFigureOut">
               <a:rPr lang="ru-RU" smtClean="0"/>
-              <a:t>12.11.2023</a:t>
+              <a:t>13.11.2023</a:t>
             </a:fld>
             <a:endParaRPr lang="ru-RU"/>
           </a:p>
@@ -1811,7 +1811,7 @@
           <a:p>
             <a:fld id="{0F7B38E9-DBAE-4AA2-BF3B-13DCA674FB12}" type="datetimeFigureOut">
               <a:rPr lang="ru-RU" smtClean="0"/>
-              <a:t>12.11.2023</a:t>
+              <a:t>13.11.2023</a:t>
             </a:fld>
             <a:endParaRPr lang="ru-RU"/>
           </a:p>
@@ -2086,7 +2086,7 @@
           <a:p>
             <a:fld id="{0F7B38E9-DBAE-4AA2-BF3B-13DCA674FB12}" type="datetimeFigureOut">
               <a:rPr lang="ru-RU" smtClean="0"/>
-              <a:t>12.11.2023</a:t>
+              <a:t>13.11.2023</a:t>
             </a:fld>
             <a:endParaRPr lang="ru-RU"/>
           </a:p>
@@ -2338,7 +2338,7 @@
           <a:p>
             <a:fld id="{0F7B38E9-DBAE-4AA2-BF3B-13DCA674FB12}" type="datetimeFigureOut">
               <a:rPr lang="ru-RU" smtClean="0"/>
-              <a:t>12.11.2023</a:t>
+              <a:t>13.11.2023</a:t>
             </a:fld>
             <a:endParaRPr lang="ru-RU"/>
           </a:p>
@@ -2549,7 +2549,7 @@
           <a:p>
             <a:fld id="{0F7B38E9-DBAE-4AA2-BF3B-13DCA674FB12}" type="datetimeFigureOut">
               <a:rPr lang="ru-RU" smtClean="0"/>
-              <a:t>12.11.2023</a:t>
+              <a:t>13.11.2023</a:t>
             </a:fld>
             <a:endParaRPr lang="ru-RU"/>
           </a:p>
@@ -2966,13 +2966,16 @@
         </p:nvSpPr>
         <p:spPr/>
         <p:txBody>
-          <a:bodyPr/>
-          <a:lstStyle/>
-          <a:p>
-            <a:r>
-              <a:rPr lang="ru-RU" dirty="0"/>
-              <a:t>Тема</a:t>
-            </a:r>
+          <a:bodyPr>
+            <a:normAutofit/>
+          </a:bodyPr>
+          <a:lstStyle/>
+          <a:p>
+            <a:r>
+              <a:rPr lang="ru-RU" sz="4000" dirty="0"/>
+              <a:t>Оформление права пользования лесным участком отдела учета земель и организации использования лесов </a:t>
+            </a:r>
+            <a:endParaRPr lang="ru-RU" sz="4000" dirty="0"/>
           </a:p>
         </p:txBody>
       </p:sp>
@@ -2991,7 +2994,7 @@
           <a:bodyPr/>
           <a:lstStyle/>
           <a:p>
-            <a:endParaRPr lang="ru-RU"/>
+            <a:endParaRPr lang="ru-RU" dirty="0"/>
           </a:p>
         </p:txBody>
       </p:sp>
@@ -3055,26 +3058,99 @@
       </p:sp>
       <p:sp>
         <p:nvSpPr>
-          <p:cNvPr id="3" name="Объект 2">
-            <a:extLst>
-              <a:ext uri="{FF2B5EF4-FFF2-40B4-BE49-F238E27FC236}">
-                <a16:creationId xmlns:a16="http://schemas.microsoft.com/office/drawing/2014/main" id="{46237F71-A73D-15CB-B51E-A89815669120}"/>
-              </a:ext>
-            </a:extLst>
-          </p:cNvPr>
-          <p:cNvSpPr>
-            <a:spLocks noGrp="1"/>
-          </p:cNvSpPr>
-          <p:nvPr>
-            <p:ph idx="1"/>
-          </p:nvPr>
-        </p:nvSpPr>
-        <p:spPr/>
-        <p:txBody>
-          <a:bodyPr/>
-          <a:lstStyle/>
-          <a:p>
-            <a:endParaRPr lang="ru-RU"/>
+          <p:cNvPr id="5" name="Прямоугольник 4"/>
+          <p:cNvSpPr/>
+          <p:nvPr/>
+        </p:nvSpPr>
+        <p:spPr>
+          <a:xfrm>
+            <a:off x="323850" y="1853630"/>
+            <a:ext cx="11544299" cy="3416320"/>
+          </a:xfrm>
+          <a:prstGeom prst="rect">
+            <a:avLst/>
+          </a:prstGeom>
+        </p:spPr>
+        <p:txBody>
+          <a:bodyPr wrap="square">
+            <a:spAutoFit/>
+          </a:bodyPr>
+          <a:lstStyle/>
+          <a:p>
+            <a:pPr indent="228600" algn="just">
+              <a:lnSpc>
+                <a:spcPct val="150000"/>
+              </a:lnSpc>
+            </a:pPr>
+            <a:r>
+              <a:rPr lang="ru-RU" dirty="0"/>
+              <a:t>По общему правилу (ст. 8 ЛК РФ) (</a:t>
+            </a:r>
+            <a:r>
+              <a:rPr lang="ru-RU" dirty="0">
+                <a:hlinkClick r:id="rId2"/>
+              </a:rPr>
+              <a:t>https://www.consultant.ru/document/cons_doc_LAW_64299/ec0eac51ce047cbfa8e73b3ccb07e34e00104db4/</a:t>
+            </a:r>
+            <a:r>
+              <a:rPr lang="en-US" dirty="0"/>
+              <a:t> </a:t>
+            </a:r>
+            <a:r>
+              <a:rPr lang="ru-RU" dirty="0"/>
+              <a:t>) лесной фонд страны находится в собственности </a:t>
+            </a:r>
+            <a:r>
+              <a:rPr lang="ru-RU" dirty="0" smtClean="0"/>
+              <a:t>государства. </a:t>
+            </a:r>
+            <a:r>
+              <a:rPr lang="ru-RU" dirty="0"/>
+              <a:t>Однако осуществлять свои полномочия пользования и владения самостоятельно государственный аппарат не может и для этого передает их субъектам РФ (ст. 83 ЛК РФ (</a:t>
+            </a:r>
+            <a:r>
+              <a:rPr lang="ru-RU" dirty="0">
+                <a:hlinkClick r:id="rId3"/>
+              </a:rPr>
+              <a:t>https://www.consultant.ru/document/cons_doc_LAW_64299/071761b7ed057c6c5ee474b9ec8dce1554520df1/</a:t>
+            </a:r>
+            <a:r>
+              <a:rPr lang="en-US" dirty="0"/>
+              <a:t> </a:t>
+            </a:r>
+            <a:r>
+              <a:rPr lang="ru-RU" dirty="0"/>
+              <a:t>), ст. 18 ЗК РФ (</a:t>
+            </a:r>
+            <a:r>
+              <a:rPr lang="ru-RU" dirty="0">
+                <a:hlinkClick r:id="rId4"/>
+              </a:rPr>
+              <a:t>https://www.consultant.ru/document/cons_doc_LAW_33773/6dbea352632956be60b07d5059c4c7811cc30c60/</a:t>
+            </a:r>
+            <a:r>
+              <a:rPr lang="en-US" dirty="0"/>
+              <a:t> </a:t>
+            </a:r>
+            <a:r>
+              <a:rPr lang="ru-RU" dirty="0"/>
+              <a:t>)). Физические и юридические лица могут оформить право собственности на лесные участки.</a:t>
+            </a:r>
+          </a:p>
+          <a:p>
+            <a:pPr indent="228600" algn="just">
+              <a:lnSpc>
+                <a:spcPct val="150000"/>
+              </a:lnSpc>
+              <a:spcAft>
+                <a:spcPts val="0"/>
+              </a:spcAft>
+            </a:pPr>
+            <a:endParaRPr lang="ru-RU" dirty="0">
+              <a:latin typeface="Times New Roman" panose="02020603050405020304" pitchFamily="18" charset="0"/>
+              <a:ea typeface="Calibri" panose="020F0502020204030204" pitchFamily="34" charset="0"/>
+              <a:cs typeface="Times New Roman" panose="02020603050405020304" pitchFamily="18" charset="0"/>
+            </a:endParaRPr>
           </a:p>
         </p:txBody>
       </p:sp>
@@ -3152,15 +3228,48 @@
             <p:ph idx="1"/>
           </p:nvPr>
         </p:nvSpPr>
-        <p:spPr/>
-        <p:txBody>
-          <a:bodyPr/>
-          <a:lstStyle/>
-          <a:p>
-            <a:endParaRPr lang="ru-RU"/>
-          </a:p>
-        </p:txBody>
-      </p:sp>
+        <p:spPr>
+          <a:xfrm>
+            <a:off x="838200" y="1690688"/>
+            <a:ext cx="10515600" cy="4351338"/>
+          </a:xfrm>
+        </p:spPr>
+        <p:txBody>
+          <a:bodyPr/>
+          <a:lstStyle/>
+          <a:p>
+            <a:r>
+              <a:rPr lang="ru-RU" dirty="0" smtClean="0"/>
+              <a:t>Интегрировать ВИС Лесопользование Свердловской Области с СЭД ПСО для регистрации и подписания итоговых документов, формируемых системой.</a:t>
+            </a:r>
+            <a:endParaRPr lang="ru-RU" dirty="0"/>
+          </a:p>
+        </p:txBody>
+      </p:sp>
+      <p:pic>
+        <p:nvPicPr>
+          <p:cNvPr id="5" name="Рисунок 4"/>
+          <p:cNvPicPr>
+            <a:picLocks noChangeAspect="1"/>
+          </p:cNvPicPr>
+          <p:nvPr/>
+        </p:nvPicPr>
+        <p:blipFill>
+          <a:blip r:embed="rId2"/>
+          <a:stretch>
+            <a:fillRect/>
+          </a:stretch>
+        </p:blipFill>
+        <p:spPr>
+          <a:xfrm>
+            <a:off x="2919046" y="2906693"/>
+            <a:ext cx="9069004" cy="3811715"/>
+          </a:xfrm>
+          <a:prstGeom prst="rect">
+            <a:avLst/>
+          </a:prstGeom>
+        </p:spPr>
+      </p:pic>
     </p:spTree>
     <p:extLst>
       <p:ext uri="{BB962C8B-B14F-4D97-AF65-F5344CB8AC3E}">
@@ -3240,7 +3349,23 @@
           <a:bodyPr/>
           <a:lstStyle/>
           <a:p>
-            <a:endParaRPr lang="ru-RU"/>
+            <a:r>
+              <a:rPr lang="ru-RU" dirty="0" smtClean="0"/>
+              <a:t>1. Изучить структуру модели данных Лесопользования Свердловской Области</a:t>
+            </a:r>
+          </a:p>
+          <a:p>
+            <a:r>
+              <a:rPr lang="ru-RU" dirty="0" smtClean="0"/>
+              <a:t>2. Изучить структуру сообщений для отправки в СЭД ПСО</a:t>
+            </a:r>
+          </a:p>
+          <a:p>
+            <a:r>
+              <a:rPr lang="ru-RU" dirty="0" smtClean="0"/>
+              <a:t>3. </a:t>
+            </a:r>
+            <a:endParaRPr lang="ru-RU" dirty="0"/>
           </a:p>
         </p:txBody>
       </p:sp>
@@ -3406,7 +3531,7 @@
           <a:bodyPr/>
           <a:lstStyle/>
           <a:p>
-            <a:endParaRPr lang="ru-RU"/>
+            <a:endParaRPr lang="ru-RU" dirty="0"/>
           </a:p>
         </p:txBody>
       </p:sp>

--- a/Prezentatsia.pptx
+++ b/Prezentatsia.pptx
@@ -2975,7 +2975,6 @@
               <a:rPr lang="ru-RU" sz="4000" dirty="0"/>
               <a:t>Оформление права пользования лесным участком отдела учета земель и организации использования лесов </a:t>
             </a:r>
-            <a:endParaRPr lang="ru-RU" sz="4000" dirty="0"/>
           </a:p>
         </p:txBody>
       </p:sp>

--- a/Prezentatsia.pptx
+++ b/Prezentatsia.pptx
@@ -10,7 +10,7 @@
     <p:sldId id="258" r:id="rId4"/>
     <p:sldId id="259" r:id="rId5"/>
     <p:sldId id="260" r:id="rId6"/>
-    <p:sldId id="261" r:id="rId7"/>
+    <p:sldId id="263" r:id="rId7"/>
     <p:sldId id="262" r:id="rId8"/>
   </p:sldIdLst>
   <p:sldSz cx="12192000" cy="6858000"/>
@@ -3097,15 +3097,7 @@
             </a:r>
             <a:r>
               <a:rPr lang="ru-RU" dirty="0"/>
-              <a:t>) лесной фонд страны находится в собственности </a:t>
-            </a:r>
-            <a:r>
-              <a:rPr lang="ru-RU" dirty="0" smtClean="0"/>
-              <a:t>государства. </a:t>
-            </a:r>
-            <a:r>
-              <a:rPr lang="ru-RU" dirty="0"/>
-              <a:t>Однако осуществлять свои полномочия пользования и владения самостоятельно государственный аппарат не может и для этого передает их субъектам РФ (ст. 83 ЛК РФ (</a:t>
+              <a:t>) лесной фонд страны находится в собственности государства. Однако осуществлять свои полномочия пользования и владения самостоятельно государственный аппарат не может и для этого передает их субъектам РФ (ст. 83 ЛК РФ (</a:t>
             </a:r>
             <a:r>
               <a:rPr lang="ru-RU" dirty="0">
@@ -3238,10 +3230,9 @@
           <a:lstStyle/>
           <a:p>
             <a:r>
-              <a:rPr lang="ru-RU" dirty="0" smtClean="0"/>
-              <a:t>Интегрировать ВИС Лесопользование Свердловской Области с СЭД ПСО для регистрации и подписания итоговых документов, формируемых системой.</a:t>
-            </a:r>
-            <a:endParaRPr lang="ru-RU" dirty="0"/>
+              <a:rPr lang="ru-RU" dirty="0"/>
+              <a:t>. Интегрировать ВИС Лесопользование Свердловской Области с СЭД ПСО для регистрации заявлений и подписания итоговых документов, формируемых системой</a:t>
+            </a:r>
           </a:p>
         </p:txBody>
       </p:sp>
@@ -3349,22 +3340,27 @@
           <a:lstStyle/>
           <a:p>
             <a:r>
-              <a:rPr lang="ru-RU" dirty="0" smtClean="0"/>
-              <a:t>1. Изучить структуру модели данных Лесопользования Свердловской Области</a:t>
-            </a:r>
-          </a:p>
-          <a:p>
-            <a:r>
-              <a:rPr lang="ru-RU" dirty="0" smtClean="0"/>
+              <a:rPr lang="ru-RU" dirty="0"/>
+              <a:t>1. Изучить модель данных ВИС Лесопользования Свердловской Области</a:t>
+            </a:r>
+          </a:p>
+          <a:p>
+            <a:r>
+              <a:rPr lang="ru-RU" dirty="0"/>
               <a:t>2. Изучить структуру сообщений для отправки в СЭД ПСО</a:t>
             </a:r>
           </a:p>
           <a:p>
             <a:r>
-              <a:rPr lang="ru-RU" dirty="0" smtClean="0"/>
-              <a:t>3. </a:t>
-            </a:r>
-            <a:endParaRPr lang="ru-RU" dirty="0"/>
+              <a:rPr lang="ru-RU" dirty="0"/>
+              <a:t>3. Спроектировать сервис для генерации пакетов</a:t>
+            </a:r>
+          </a:p>
+          <a:p>
+            <a:r>
+              <a:rPr lang="ru-RU" dirty="0"/>
+              <a:t>4. Реализовать сервис для отправки пакетов</a:t>
+            </a:r>
           </a:p>
         </p:txBody>
       </p:sp>
@@ -3421,7 +3417,7 @@
           <a:p>
             <a:r>
               <a:rPr lang="ru-RU" dirty="0"/>
-              <a:t>Входные/выходные данные</a:t>
+              <a:t>Входные данные</a:t>
             </a:r>
           </a:p>
         </p:txBody>
@@ -3447,7 +3443,22 @@
           <a:bodyPr/>
           <a:lstStyle/>
           <a:p>
-            <a:endParaRPr lang="ru-RU"/>
+            <a:r>
+              <a:rPr lang="ru-RU" dirty="0"/>
+              <a:t>Заявление на получение предварительного лесного участка</a:t>
+            </a:r>
+          </a:p>
+          <a:p>
+            <a:r>
+              <a:rPr lang="ru-RU" dirty="0"/>
+              <a:t>Заявление на утверждение лесного участка</a:t>
+            </a:r>
+          </a:p>
+          <a:p>
+            <a:r>
+              <a:rPr lang="ru-RU" dirty="0"/>
+              <a:t>Заявление на пользование ЛУ</a:t>
+            </a:r>
           </a:p>
         </p:txBody>
       </p:sp>
@@ -3486,7 +3497,7 @@
           <p:cNvPr id="2" name="Заголовок 1">
             <a:extLst>
               <a:ext uri="{FF2B5EF4-FFF2-40B4-BE49-F238E27FC236}">
-                <a16:creationId xmlns:a16="http://schemas.microsoft.com/office/drawing/2014/main" id="{CE182437-06D3-3EC6-3805-223576A83B44}"/>
+                <a16:creationId xmlns:a16="http://schemas.microsoft.com/office/drawing/2014/main" id="{AD142634-8CAF-6287-38B5-8D4672ABE5BC}"/>
               </a:ext>
             </a:extLst>
           </p:cNvPr>
@@ -3504,7 +3515,7 @@
           <a:p>
             <a:r>
               <a:rPr lang="ru-RU" dirty="0"/>
-              <a:t>Ожидаемый результат</a:t>
+              <a:t>Выходные данные</a:t>
             </a:r>
           </a:p>
         </p:txBody>
@@ -3514,7 +3525,7 @@
           <p:cNvPr id="3" name="Объект 2">
             <a:extLst>
               <a:ext uri="{FF2B5EF4-FFF2-40B4-BE49-F238E27FC236}">
-                <a16:creationId xmlns:a16="http://schemas.microsoft.com/office/drawing/2014/main" id="{52E98679-7B17-DAB0-F067-3467882A090F}"/>
+                <a16:creationId xmlns:a16="http://schemas.microsoft.com/office/drawing/2014/main" id="{01896C1D-163E-8187-9EEA-004C5DAED064}"/>
               </a:ext>
             </a:extLst>
           </p:cNvPr>
@@ -3530,14 +3541,17 @@
           <a:bodyPr/>
           <a:lstStyle/>
           <a:p>
-            <a:endParaRPr lang="ru-RU" dirty="0"/>
+            <a:r>
+              <a:rPr lang="ru-RU" dirty="0"/>
+              <a:t>Документ *** обладающий юридической силой</a:t>
+            </a:r>
           </a:p>
         </p:txBody>
       </p:sp>
     </p:spTree>
     <p:extLst>
       <p:ext uri="{BB962C8B-B14F-4D97-AF65-F5344CB8AC3E}">
-        <p14:creationId xmlns:p14="http://schemas.microsoft.com/office/powerpoint/2010/main" val="268883350"/>
+        <p14:creationId xmlns:p14="http://schemas.microsoft.com/office/powerpoint/2010/main" val="401418907"/>
       </p:ext>
     </p:extLst>
   </p:cSld>
@@ -3586,7 +3600,11 @@
           <a:lstStyle/>
           <a:p>
             <a:r>
-              <a:rPr lang="ru-RU" dirty="0"/>
+              <a:rPr lang="ru-RU" dirty="0">
+                <a:solidFill>
+                  <a:srgbClr val="FF0000"/>
+                </a:solidFill>
+              </a:rPr>
               <a:t>Аналоги</a:t>
             </a:r>
           </a:p>
@@ -3613,7 +3631,7 @@
           <a:bodyPr/>
           <a:lstStyle/>
           <a:p>
-            <a:endParaRPr lang="ru-RU"/>
+            <a:endParaRPr lang="ru-RU" dirty="0"/>
           </a:p>
         </p:txBody>
       </p:sp>
@@ -3635,7 +3653,7 @@
   <a:themeElements>
     <a:clrScheme name="Стандартная">
       <a:dk1>
-        <a:sysClr val="windowText" lastClr="000000"/>
+        <a:sysClr val="windowText" lastClr="303030"/>
       </a:dk1>
       <a:lt1>
         <a:sysClr val="window" lastClr="FFFFFF"/>

--- a/Prezentatsia.pptx
+++ b/Prezentatsia.pptx
@@ -247,7 +247,7 @@
           <a:p>
             <a:fld id="{0F7B38E9-DBAE-4AA2-BF3B-13DCA674FB12}" type="datetimeFigureOut">
               <a:rPr lang="ru-RU" smtClean="0"/>
-              <a:t>13.11.2023</a:t>
+              <a:t>14.11.2023</a:t>
             </a:fld>
             <a:endParaRPr lang="ru-RU"/>
           </a:p>
@@ -415,7 +415,7 @@
           <a:p>
             <a:fld id="{0F7B38E9-DBAE-4AA2-BF3B-13DCA674FB12}" type="datetimeFigureOut">
               <a:rPr lang="ru-RU" smtClean="0"/>
-              <a:t>13.11.2023</a:t>
+              <a:t>14.11.2023</a:t>
             </a:fld>
             <a:endParaRPr lang="ru-RU"/>
           </a:p>
@@ -593,7 +593,7 @@
           <a:p>
             <a:fld id="{0F7B38E9-DBAE-4AA2-BF3B-13DCA674FB12}" type="datetimeFigureOut">
               <a:rPr lang="ru-RU" smtClean="0"/>
-              <a:t>13.11.2023</a:t>
+              <a:t>14.11.2023</a:t>
             </a:fld>
             <a:endParaRPr lang="ru-RU"/>
           </a:p>
@@ -761,7 +761,7 @@
           <a:p>
             <a:fld id="{0F7B38E9-DBAE-4AA2-BF3B-13DCA674FB12}" type="datetimeFigureOut">
               <a:rPr lang="ru-RU" smtClean="0"/>
-              <a:t>13.11.2023</a:t>
+              <a:t>14.11.2023</a:t>
             </a:fld>
             <a:endParaRPr lang="ru-RU"/>
           </a:p>
@@ -1006,7 +1006,7 @@
           <a:p>
             <a:fld id="{0F7B38E9-DBAE-4AA2-BF3B-13DCA674FB12}" type="datetimeFigureOut">
               <a:rPr lang="ru-RU" smtClean="0"/>
-              <a:t>13.11.2023</a:t>
+              <a:t>14.11.2023</a:t>
             </a:fld>
             <a:endParaRPr lang="ru-RU"/>
           </a:p>
@@ -1235,7 +1235,7 @@
           <a:p>
             <a:fld id="{0F7B38E9-DBAE-4AA2-BF3B-13DCA674FB12}" type="datetimeFigureOut">
               <a:rPr lang="ru-RU" smtClean="0"/>
-              <a:t>13.11.2023</a:t>
+              <a:t>14.11.2023</a:t>
             </a:fld>
             <a:endParaRPr lang="ru-RU"/>
           </a:p>
@@ -1599,7 +1599,7 @@
           <a:p>
             <a:fld id="{0F7B38E9-DBAE-4AA2-BF3B-13DCA674FB12}" type="datetimeFigureOut">
               <a:rPr lang="ru-RU" smtClean="0"/>
-              <a:t>13.11.2023</a:t>
+              <a:t>14.11.2023</a:t>
             </a:fld>
             <a:endParaRPr lang="ru-RU"/>
           </a:p>
@@ -1716,7 +1716,7 @@
           <a:p>
             <a:fld id="{0F7B38E9-DBAE-4AA2-BF3B-13DCA674FB12}" type="datetimeFigureOut">
               <a:rPr lang="ru-RU" smtClean="0"/>
-              <a:t>13.11.2023</a:t>
+              <a:t>14.11.2023</a:t>
             </a:fld>
             <a:endParaRPr lang="ru-RU"/>
           </a:p>
@@ -1811,7 +1811,7 @@
           <a:p>
             <a:fld id="{0F7B38E9-DBAE-4AA2-BF3B-13DCA674FB12}" type="datetimeFigureOut">
               <a:rPr lang="ru-RU" smtClean="0"/>
-              <a:t>13.11.2023</a:t>
+              <a:t>14.11.2023</a:t>
             </a:fld>
             <a:endParaRPr lang="ru-RU"/>
           </a:p>
@@ -2086,7 +2086,7 @@
           <a:p>
             <a:fld id="{0F7B38E9-DBAE-4AA2-BF3B-13DCA674FB12}" type="datetimeFigureOut">
               <a:rPr lang="ru-RU" smtClean="0"/>
-              <a:t>13.11.2023</a:t>
+              <a:t>14.11.2023</a:t>
             </a:fld>
             <a:endParaRPr lang="ru-RU"/>
           </a:p>
@@ -2338,7 +2338,7 @@
           <a:p>
             <a:fld id="{0F7B38E9-DBAE-4AA2-BF3B-13DCA674FB12}" type="datetimeFigureOut">
               <a:rPr lang="ru-RU" smtClean="0"/>
-              <a:t>13.11.2023</a:t>
+              <a:t>14.11.2023</a:t>
             </a:fld>
             <a:endParaRPr lang="ru-RU"/>
           </a:p>
@@ -2549,7 +2549,7 @@
           <a:p>
             <a:fld id="{0F7B38E9-DBAE-4AA2-BF3B-13DCA674FB12}" type="datetimeFigureOut">
               <a:rPr lang="ru-RU" smtClean="0"/>
-              <a:t>13.11.2023</a:t>
+              <a:t>14.11.2023</a:t>
             </a:fld>
             <a:endParaRPr lang="ru-RU"/>
           </a:p>
@@ -3653,7 +3653,7 @@
   <a:themeElements>
     <a:clrScheme name="Стандартная">
       <a:dk1>
-        <a:sysClr val="windowText" lastClr="303030"/>
+        <a:sysClr val="windowText" lastClr="000000"/>
       </a:dk1>
       <a:lt1>
         <a:sysClr val="window" lastClr="FFFFFF"/>

--- a/Prezentatsia.pptx
+++ b/Prezentatsia.pptx
@@ -11,7 +11,6 @@
     <p:sldId id="259" r:id="rId5"/>
     <p:sldId id="260" r:id="rId6"/>
     <p:sldId id="263" r:id="rId7"/>
-    <p:sldId id="262" r:id="rId8"/>
   </p:sldIdLst>
   <p:sldSz cx="12192000" cy="6858000"/>
   <p:notesSz cx="6858000" cy="9144000"/>
@@ -247,7 +246,7 @@
           <a:p>
             <a:fld id="{0F7B38E9-DBAE-4AA2-BF3B-13DCA674FB12}" type="datetimeFigureOut">
               <a:rPr lang="ru-RU" smtClean="0"/>
-              <a:t>14.11.2023</a:t>
+              <a:t>15.11.2023</a:t>
             </a:fld>
             <a:endParaRPr lang="ru-RU"/>
           </a:p>
@@ -415,7 +414,7 @@
           <a:p>
             <a:fld id="{0F7B38E9-DBAE-4AA2-BF3B-13DCA674FB12}" type="datetimeFigureOut">
               <a:rPr lang="ru-RU" smtClean="0"/>
-              <a:t>14.11.2023</a:t>
+              <a:t>15.11.2023</a:t>
             </a:fld>
             <a:endParaRPr lang="ru-RU"/>
           </a:p>
@@ -593,7 +592,7 @@
           <a:p>
             <a:fld id="{0F7B38E9-DBAE-4AA2-BF3B-13DCA674FB12}" type="datetimeFigureOut">
               <a:rPr lang="ru-RU" smtClean="0"/>
-              <a:t>14.11.2023</a:t>
+              <a:t>15.11.2023</a:t>
             </a:fld>
             <a:endParaRPr lang="ru-RU"/>
           </a:p>
@@ -761,7 +760,7 @@
           <a:p>
             <a:fld id="{0F7B38E9-DBAE-4AA2-BF3B-13DCA674FB12}" type="datetimeFigureOut">
               <a:rPr lang="ru-RU" smtClean="0"/>
-              <a:t>14.11.2023</a:t>
+              <a:t>15.11.2023</a:t>
             </a:fld>
             <a:endParaRPr lang="ru-RU"/>
           </a:p>
@@ -1006,7 +1005,7 @@
           <a:p>
             <a:fld id="{0F7B38E9-DBAE-4AA2-BF3B-13DCA674FB12}" type="datetimeFigureOut">
               <a:rPr lang="ru-RU" smtClean="0"/>
-              <a:t>14.11.2023</a:t>
+              <a:t>15.11.2023</a:t>
             </a:fld>
             <a:endParaRPr lang="ru-RU"/>
           </a:p>
@@ -1235,7 +1234,7 @@
           <a:p>
             <a:fld id="{0F7B38E9-DBAE-4AA2-BF3B-13DCA674FB12}" type="datetimeFigureOut">
               <a:rPr lang="ru-RU" smtClean="0"/>
-              <a:t>14.11.2023</a:t>
+              <a:t>15.11.2023</a:t>
             </a:fld>
             <a:endParaRPr lang="ru-RU"/>
           </a:p>
@@ -1599,7 +1598,7 @@
           <a:p>
             <a:fld id="{0F7B38E9-DBAE-4AA2-BF3B-13DCA674FB12}" type="datetimeFigureOut">
               <a:rPr lang="ru-RU" smtClean="0"/>
-              <a:t>14.11.2023</a:t>
+              <a:t>15.11.2023</a:t>
             </a:fld>
             <a:endParaRPr lang="ru-RU"/>
           </a:p>
@@ -1716,7 +1715,7 @@
           <a:p>
             <a:fld id="{0F7B38E9-DBAE-4AA2-BF3B-13DCA674FB12}" type="datetimeFigureOut">
               <a:rPr lang="ru-RU" smtClean="0"/>
-              <a:t>14.11.2023</a:t>
+              <a:t>15.11.2023</a:t>
             </a:fld>
             <a:endParaRPr lang="ru-RU"/>
           </a:p>
@@ -1811,7 +1810,7 @@
           <a:p>
             <a:fld id="{0F7B38E9-DBAE-4AA2-BF3B-13DCA674FB12}" type="datetimeFigureOut">
               <a:rPr lang="ru-RU" smtClean="0"/>
-              <a:t>14.11.2023</a:t>
+              <a:t>15.11.2023</a:t>
             </a:fld>
             <a:endParaRPr lang="ru-RU"/>
           </a:p>
@@ -2086,7 +2085,7 @@
           <a:p>
             <a:fld id="{0F7B38E9-DBAE-4AA2-BF3B-13DCA674FB12}" type="datetimeFigureOut">
               <a:rPr lang="ru-RU" smtClean="0"/>
-              <a:t>14.11.2023</a:t>
+              <a:t>15.11.2023</a:t>
             </a:fld>
             <a:endParaRPr lang="ru-RU"/>
           </a:p>
@@ -2338,7 +2337,7 @@
           <a:p>
             <a:fld id="{0F7B38E9-DBAE-4AA2-BF3B-13DCA674FB12}" type="datetimeFigureOut">
               <a:rPr lang="ru-RU" smtClean="0"/>
-              <a:t>14.11.2023</a:t>
+              <a:t>15.11.2023</a:t>
             </a:fld>
             <a:endParaRPr lang="ru-RU"/>
           </a:p>
@@ -2549,7 +2548,7 @@
           <a:p>
             <a:fld id="{0F7B38E9-DBAE-4AA2-BF3B-13DCA674FB12}" type="datetimeFigureOut">
               <a:rPr lang="ru-RU" smtClean="0"/>
-              <a:t>14.11.2023</a:t>
+              <a:t>15.11.2023</a:t>
             </a:fld>
             <a:endParaRPr lang="ru-RU"/>
           </a:p>
@@ -3226,13 +3225,47 @@
           </a:xfrm>
         </p:spPr>
         <p:txBody>
-          <a:bodyPr/>
-          <a:lstStyle/>
-          <a:p>
-            <a:r>
-              <a:rPr lang="ru-RU" dirty="0"/>
-              <a:t>. Интегрировать ВИС Лесопользование Свердловской Области с СЭД ПСО для регистрации заявлений и подписания итоговых документов, формируемых системой</a:t>
-            </a:r>
+          <a:bodyPr>
+            <a:normAutofit/>
+          </a:bodyPr>
+          <a:lstStyle/>
+          <a:p>
+            <a:r>
+              <a:rPr lang="ru-RU" dirty="0">
+                <a:solidFill>
+                  <a:srgbClr val="303030"/>
+                </a:solidFill>
+                <a:effectLst/>
+                <a:latin typeface="+mj-lt"/>
+                <a:ea typeface="Calibri" panose="020F0502020204030204" pitchFamily="34" charset="0"/>
+              </a:rPr>
+              <a:t>сокращение времени для предоставления услуги, путем автоматизации регистрации заявлений и</a:t>
+            </a:r>
+            <a:r>
+              <a:rPr lang="en-US" dirty="0">
+                <a:solidFill>
+                  <a:srgbClr val="303030"/>
+                </a:solidFill>
+                <a:effectLst/>
+                <a:latin typeface="+mj-lt"/>
+                <a:ea typeface="Calibri" panose="020F0502020204030204" pitchFamily="34" charset="0"/>
+              </a:rPr>
+              <a:t> </a:t>
+            </a:r>
+            <a:r>
+              <a:rPr lang="ru-RU" dirty="0">
+                <a:solidFill>
+                  <a:srgbClr val="303030"/>
+                </a:solidFill>
+                <a:effectLst/>
+                <a:latin typeface="+mj-lt"/>
+                <a:ea typeface="Calibri" panose="020F0502020204030204" pitchFamily="34" charset="0"/>
+              </a:rPr>
+              <a:t>частичной автоматизации подписания итоговых документов в СЭД ПСО</a:t>
+            </a:r>
+            <a:endParaRPr lang="ru-RU" dirty="0">
+              <a:latin typeface="+mj-lt"/>
+            </a:endParaRPr>
           </a:p>
         </p:txBody>
       </p:sp>
@@ -3334,7 +3367,12 @@
             <p:ph idx="1"/>
           </p:nvPr>
         </p:nvSpPr>
-        <p:spPr/>
+        <p:spPr>
+          <a:xfrm>
+            <a:off x="838200" y="1781021"/>
+            <a:ext cx="10515600" cy="4351338"/>
+          </a:xfrm>
+        </p:spPr>
         <p:txBody>
           <a:bodyPr/>
           <a:lstStyle/>
@@ -3543,7 +3581,19 @@
           <a:p>
             <a:r>
               <a:rPr lang="ru-RU" dirty="0"/>
-              <a:t>Документ *** обладающий юридической силой</a:t>
+              <a:t>Приказ о согласовании лесного участка</a:t>
+            </a:r>
+          </a:p>
+          <a:p>
+            <a:r>
+              <a:rPr lang="ru-RU" dirty="0"/>
+              <a:t>Приказ об утверждении проектной документации и государственном учете лесного участка в соответствии с проектной документацией на лесной участок для заготовки древесины</a:t>
+            </a:r>
+          </a:p>
+          <a:p>
+            <a:r>
+              <a:rPr lang="ru-RU" dirty="0"/>
+              <a:t>Приказ о предоставлении земельного (лесного) участка в пользование</a:t>
             </a:r>
           </a:p>
         </p:txBody>
@@ -3552,93 +3602,6 @@
     <p:extLst>
       <p:ext uri="{BB962C8B-B14F-4D97-AF65-F5344CB8AC3E}">
         <p14:creationId xmlns:p14="http://schemas.microsoft.com/office/powerpoint/2010/main" val="401418907"/>
-      </p:ext>
-    </p:extLst>
-  </p:cSld>
-  <p:clrMapOvr>
-    <a:masterClrMapping/>
-  </p:clrMapOvr>
-</p:sld>
-</file>
-
-<file path=ppt/slides/slide7.xml><?xml version="1.0" encoding="utf-8"?>
-<p:sld xmlns:a="http://schemas.openxmlformats.org/drawingml/2006/main" xmlns:r="http://schemas.openxmlformats.org/officeDocument/2006/relationships" xmlns:p="http://schemas.openxmlformats.org/presentationml/2006/main">
-  <p:cSld>
-    <p:spTree>
-      <p:nvGrpSpPr>
-        <p:cNvPr id="1" name=""/>
-        <p:cNvGrpSpPr/>
-        <p:nvPr/>
-      </p:nvGrpSpPr>
-      <p:grpSpPr>
-        <a:xfrm>
-          <a:off x="0" y="0"/>
-          <a:ext cx="0" cy="0"/>
-          <a:chOff x="0" y="0"/>
-          <a:chExt cx="0" cy="0"/>
-        </a:xfrm>
-      </p:grpSpPr>
-      <p:sp>
-        <p:nvSpPr>
-          <p:cNvPr id="2" name="Заголовок 1">
-            <a:extLst>
-              <a:ext uri="{FF2B5EF4-FFF2-40B4-BE49-F238E27FC236}">
-                <a16:creationId xmlns:a16="http://schemas.microsoft.com/office/drawing/2014/main" id="{97DB3C94-96A3-DA4A-4BBB-DB174D35A42A}"/>
-              </a:ext>
-            </a:extLst>
-          </p:cNvPr>
-          <p:cNvSpPr>
-            <a:spLocks noGrp="1"/>
-          </p:cNvSpPr>
-          <p:nvPr>
-            <p:ph type="title"/>
-          </p:nvPr>
-        </p:nvSpPr>
-        <p:spPr/>
-        <p:txBody>
-          <a:bodyPr/>
-          <a:lstStyle/>
-          <a:p>
-            <a:r>
-              <a:rPr lang="ru-RU" dirty="0">
-                <a:solidFill>
-                  <a:srgbClr val="FF0000"/>
-                </a:solidFill>
-              </a:rPr>
-              <a:t>Аналоги</a:t>
-            </a:r>
-          </a:p>
-        </p:txBody>
-      </p:sp>
-      <p:sp>
-        <p:nvSpPr>
-          <p:cNvPr id="3" name="Объект 2">
-            <a:extLst>
-              <a:ext uri="{FF2B5EF4-FFF2-40B4-BE49-F238E27FC236}">
-                <a16:creationId xmlns:a16="http://schemas.microsoft.com/office/drawing/2014/main" id="{9A1E495B-5281-ACA5-FCFF-D92E27F9BA92}"/>
-              </a:ext>
-            </a:extLst>
-          </p:cNvPr>
-          <p:cNvSpPr>
-            <a:spLocks noGrp="1"/>
-          </p:cNvSpPr>
-          <p:nvPr>
-            <p:ph idx="1"/>
-          </p:nvPr>
-        </p:nvSpPr>
-        <p:spPr/>
-        <p:txBody>
-          <a:bodyPr/>
-          <a:lstStyle/>
-          <a:p>
-            <a:endParaRPr lang="ru-RU" dirty="0"/>
-          </a:p>
-        </p:txBody>
-      </p:sp>
-    </p:spTree>
-    <p:extLst>
-      <p:ext uri="{BB962C8B-B14F-4D97-AF65-F5344CB8AC3E}">
-        <p14:creationId xmlns:p14="http://schemas.microsoft.com/office/powerpoint/2010/main" val="1623221140"/>
       </p:ext>
     </p:extLst>
   </p:cSld>
@@ -3653,7 +3616,7 @@
   <a:themeElements>
     <a:clrScheme name="Стандартная">
       <a:dk1>
-        <a:sysClr val="windowText" lastClr="000000"/>
+        <a:sysClr val="windowText" lastClr="303030"/>
       </a:dk1>
       <a:lt1>
         <a:sysClr val="window" lastClr="FFFFFF"/>

--- a/Prezentatsia.pptx
+++ b/Prezentatsia.pptx
@@ -7,10 +7,12 @@
   <p:sldIdLst>
     <p:sldId id="256" r:id="rId2"/>
     <p:sldId id="257" r:id="rId3"/>
-    <p:sldId id="258" r:id="rId4"/>
-    <p:sldId id="259" r:id="rId5"/>
-    <p:sldId id="260" r:id="rId6"/>
-    <p:sldId id="263" r:id="rId7"/>
+    <p:sldId id="266" r:id="rId4"/>
+    <p:sldId id="265" r:id="rId5"/>
+    <p:sldId id="258" r:id="rId6"/>
+    <p:sldId id="259" r:id="rId7"/>
+    <p:sldId id="260" r:id="rId8"/>
+    <p:sldId id="263" r:id="rId9"/>
   </p:sldIdLst>
   <p:sldSz cx="12192000" cy="6858000"/>
   <p:notesSz cx="6858000" cy="9144000"/>
@@ -246,7 +248,7 @@
           <a:p>
             <a:fld id="{0F7B38E9-DBAE-4AA2-BF3B-13DCA674FB12}" type="datetimeFigureOut">
               <a:rPr lang="ru-RU" smtClean="0"/>
-              <a:t>15.11.2023</a:t>
+              <a:t>18.11.2023</a:t>
             </a:fld>
             <a:endParaRPr lang="ru-RU"/>
           </a:p>
@@ -414,7 +416,7 @@
           <a:p>
             <a:fld id="{0F7B38E9-DBAE-4AA2-BF3B-13DCA674FB12}" type="datetimeFigureOut">
               <a:rPr lang="ru-RU" smtClean="0"/>
-              <a:t>15.11.2023</a:t>
+              <a:t>18.11.2023</a:t>
             </a:fld>
             <a:endParaRPr lang="ru-RU"/>
           </a:p>
@@ -592,7 +594,7 @@
           <a:p>
             <a:fld id="{0F7B38E9-DBAE-4AA2-BF3B-13DCA674FB12}" type="datetimeFigureOut">
               <a:rPr lang="ru-RU" smtClean="0"/>
-              <a:t>15.11.2023</a:t>
+              <a:t>18.11.2023</a:t>
             </a:fld>
             <a:endParaRPr lang="ru-RU"/>
           </a:p>
@@ -760,7 +762,7 @@
           <a:p>
             <a:fld id="{0F7B38E9-DBAE-4AA2-BF3B-13DCA674FB12}" type="datetimeFigureOut">
               <a:rPr lang="ru-RU" smtClean="0"/>
-              <a:t>15.11.2023</a:t>
+              <a:t>18.11.2023</a:t>
             </a:fld>
             <a:endParaRPr lang="ru-RU"/>
           </a:p>
@@ -1005,7 +1007,7 @@
           <a:p>
             <a:fld id="{0F7B38E9-DBAE-4AA2-BF3B-13DCA674FB12}" type="datetimeFigureOut">
               <a:rPr lang="ru-RU" smtClean="0"/>
-              <a:t>15.11.2023</a:t>
+              <a:t>18.11.2023</a:t>
             </a:fld>
             <a:endParaRPr lang="ru-RU"/>
           </a:p>
@@ -1234,7 +1236,7 @@
           <a:p>
             <a:fld id="{0F7B38E9-DBAE-4AA2-BF3B-13DCA674FB12}" type="datetimeFigureOut">
               <a:rPr lang="ru-RU" smtClean="0"/>
-              <a:t>15.11.2023</a:t>
+              <a:t>18.11.2023</a:t>
             </a:fld>
             <a:endParaRPr lang="ru-RU"/>
           </a:p>
@@ -1598,7 +1600,7 @@
           <a:p>
             <a:fld id="{0F7B38E9-DBAE-4AA2-BF3B-13DCA674FB12}" type="datetimeFigureOut">
               <a:rPr lang="ru-RU" smtClean="0"/>
-              <a:t>15.11.2023</a:t>
+              <a:t>18.11.2023</a:t>
             </a:fld>
             <a:endParaRPr lang="ru-RU"/>
           </a:p>
@@ -1715,7 +1717,7 @@
           <a:p>
             <a:fld id="{0F7B38E9-DBAE-4AA2-BF3B-13DCA674FB12}" type="datetimeFigureOut">
               <a:rPr lang="ru-RU" smtClean="0"/>
-              <a:t>15.11.2023</a:t>
+              <a:t>18.11.2023</a:t>
             </a:fld>
             <a:endParaRPr lang="ru-RU"/>
           </a:p>
@@ -1810,7 +1812,7 @@
           <a:p>
             <a:fld id="{0F7B38E9-DBAE-4AA2-BF3B-13DCA674FB12}" type="datetimeFigureOut">
               <a:rPr lang="ru-RU" smtClean="0"/>
-              <a:t>15.11.2023</a:t>
+              <a:t>18.11.2023</a:t>
             </a:fld>
             <a:endParaRPr lang="ru-RU"/>
           </a:p>
@@ -2085,7 +2087,7 @@
           <a:p>
             <a:fld id="{0F7B38E9-DBAE-4AA2-BF3B-13DCA674FB12}" type="datetimeFigureOut">
               <a:rPr lang="ru-RU" smtClean="0"/>
-              <a:t>15.11.2023</a:t>
+              <a:t>18.11.2023</a:t>
             </a:fld>
             <a:endParaRPr lang="ru-RU"/>
           </a:p>
@@ -2337,7 +2339,7 @@
           <a:p>
             <a:fld id="{0F7B38E9-DBAE-4AA2-BF3B-13DCA674FB12}" type="datetimeFigureOut">
               <a:rPr lang="ru-RU" smtClean="0"/>
-              <a:t>15.11.2023</a:t>
+              <a:t>18.11.2023</a:t>
             </a:fld>
             <a:endParaRPr lang="ru-RU"/>
           </a:p>
@@ -2548,7 +2550,7 @@
           <a:p>
             <a:fld id="{0F7B38E9-DBAE-4AA2-BF3B-13DCA674FB12}" type="datetimeFigureOut">
               <a:rPr lang="ru-RU" smtClean="0"/>
-              <a:t>15.11.2023</a:t>
+              <a:t>18.11.2023</a:t>
             </a:fld>
             <a:endParaRPr lang="ru-RU"/>
           </a:p>
@@ -3062,8 +3064,8 @@
         </p:nvSpPr>
         <p:spPr>
           <a:xfrm>
-            <a:off x="323850" y="1853630"/>
-            <a:ext cx="11544299" cy="3416320"/>
+            <a:off x="323850" y="1378142"/>
+            <a:ext cx="11544299" cy="3782061"/>
           </a:xfrm>
           <a:prstGeom prst="rect">
             <a:avLst/>
@@ -3081,50 +3083,16 @@
               </a:lnSpc>
             </a:pPr>
             <a:r>
-              <a:rPr lang="ru-RU" dirty="0"/>
-              <a:t>По общему правилу (ст. 8 ЛК РФ) (</a:t>
-            </a:r>
-            <a:r>
-              <a:rPr lang="ru-RU" dirty="0">
-                <a:hlinkClick r:id="rId2"/>
+              <a:rPr lang="ru-RU" sz="2400" dirty="0"/>
+              <a:t>По общему правилу лесной фонд страны находится в собственности государства. Однако осуществлять свои полномочия пользования и владения самостоятельно государственный аппарат не может и для этого передает их субъектам РФ. Физические и юридические лица могут оформить право собственности на лесные участки. </a:t>
+            </a:r>
+            <a:r>
+              <a:rPr lang="ru-RU" sz="2400" dirty="0">
+                <a:solidFill>
+                  <a:srgbClr val="FF0000"/>
+                </a:solidFill>
               </a:rPr>
-              <a:t>https://www.consultant.ru/document/cons_doc_LAW_64299/ec0eac51ce047cbfa8e73b3ccb07e34e00104db4/</a:t>
-            </a:r>
-            <a:r>
-              <a:rPr lang="en-US" dirty="0"/>
-              <a:t> </a:t>
-            </a:r>
-            <a:r>
-              <a:rPr lang="ru-RU" dirty="0"/>
-              <a:t>) лесной фонд страны находится в собственности государства. Однако осуществлять свои полномочия пользования и владения самостоятельно государственный аппарат не может и для этого передает их субъектам РФ (ст. 83 ЛК РФ (</a:t>
-            </a:r>
-            <a:r>
-              <a:rPr lang="ru-RU" dirty="0">
-                <a:hlinkClick r:id="rId3"/>
-              </a:rPr>
-              <a:t>https://www.consultant.ru/document/cons_doc_LAW_64299/071761b7ed057c6c5ee474b9ec8dce1554520df1/</a:t>
-            </a:r>
-            <a:r>
-              <a:rPr lang="en-US" dirty="0"/>
-              <a:t> </a:t>
-            </a:r>
-            <a:r>
-              <a:rPr lang="ru-RU" dirty="0"/>
-              <a:t>), ст. 18 ЗК РФ (</a:t>
-            </a:r>
-            <a:r>
-              <a:rPr lang="ru-RU" dirty="0">
-                <a:hlinkClick r:id="rId4"/>
-              </a:rPr>
-              <a:t>https://www.consultant.ru/document/cons_doc_LAW_33773/6dbea352632956be60b07d5059c4c7811cc30c60/</a:t>
-            </a:r>
-            <a:r>
-              <a:rPr lang="en-US" dirty="0"/>
-              <a:t> </a:t>
-            </a:r>
-            <a:r>
-              <a:rPr lang="ru-RU" dirty="0"/>
-              <a:t>)). Физические и юридические лица могут оформить право собственности на лесные участки.</a:t>
+              <a:t>В Свердловской области нет цифрового ресурса для получения права собственности на лесные участки.</a:t>
             </a:r>
           </a:p>
           <a:p>
@@ -3158,6 +3126,180 @@
 </file>
 
 <file path=ppt/slides/slide3.xml><?xml version="1.0" encoding="utf-8"?>
+<p:sld xmlns:a="http://schemas.openxmlformats.org/drawingml/2006/main" xmlns:r="http://schemas.openxmlformats.org/officeDocument/2006/relationships" xmlns:p="http://schemas.openxmlformats.org/presentationml/2006/main">
+  <p:cSld>
+    <p:spTree>
+      <p:nvGrpSpPr>
+        <p:cNvPr id="1" name=""/>
+        <p:cNvGrpSpPr/>
+        <p:nvPr/>
+      </p:nvGrpSpPr>
+      <p:grpSpPr>
+        <a:xfrm>
+          <a:off x="0" y="0"/>
+          <a:ext cx="0" cy="0"/>
+          <a:chOff x="0" y="0"/>
+          <a:chExt cx="0" cy="0"/>
+        </a:xfrm>
+      </p:grpSpPr>
+      <p:sp>
+        <p:nvSpPr>
+          <p:cNvPr id="2" name="Заголовок 1">
+            <a:extLst>
+              <a:ext uri="{FF2B5EF4-FFF2-40B4-BE49-F238E27FC236}">
+                <a16:creationId xmlns:a16="http://schemas.microsoft.com/office/drawing/2014/main" id="{56EB7D04-94E1-53D1-0595-404137901F02}"/>
+              </a:ext>
+            </a:extLst>
+          </p:cNvPr>
+          <p:cNvSpPr>
+            <a:spLocks noGrp="1"/>
+          </p:cNvSpPr>
+          <p:nvPr>
+            <p:ph type="title"/>
+          </p:nvPr>
+        </p:nvSpPr>
+        <p:spPr/>
+        <p:txBody>
+          <a:bodyPr/>
+          <a:lstStyle/>
+          <a:p>
+            <a:r>
+              <a:rPr lang="ru-RU" dirty="0"/>
+              <a:t>Процесс получения лесного участка (ЛУ)</a:t>
+            </a:r>
+          </a:p>
+        </p:txBody>
+      </p:sp>
+      <p:pic>
+        <p:nvPicPr>
+          <p:cNvPr id="5" name="Объект 4">
+            <a:extLst>
+              <a:ext uri="{FF2B5EF4-FFF2-40B4-BE49-F238E27FC236}">
+                <a16:creationId xmlns:a16="http://schemas.microsoft.com/office/drawing/2014/main" id="{B056E007-47B5-B4E8-33A2-F2137FE50A81}"/>
+              </a:ext>
+            </a:extLst>
+          </p:cNvPr>
+          <p:cNvPicPr>
+            <a:picLocks noGrp="1" noChangeAspect="1"/>
+          </p:cNvPicPr>
+          <p:nvPr>
+            <p:ph idx="1"/>
+          </p:nvPr>
+        </p:nvPicPr>
+        <p:blipFill>
+          <a:blip r:embed="rId2"/>
+          <a:stretch>
+            <a:fillRect/>
+          </a:stretch>
+        </p:blipFill>
+        <p:spPr>
+          <a:xfrm>
+            <a:off x="838200" y="2175875"/>
+            <a:ext cx="10515600" cy="3650838"/>
+          </a:xfrm>
+        </p:spPr>
+      </p:pic>
+    </p:spTree>
+    <p:extLst>
+      <p:ext uri="{BB962C8B-B14F-4D97-AF65-F5344CB8AC3E}">
+        <p14:creationId xmlns:p14="http://schemas.microsoft.com/office/powerpoint/2010/main" val="3563244621"/>
+      </p:ext>
+    </p:extLst>
+  </p:cSld>
+  <p:clrMapOvr>
+    <a:masterClrMapping/>
+  </p:clrMapOvr>
+</p:sld>
+</file>
+
+<file path=ppt/slides/slide4.xml><?xml version="1.0" encoding="utf-8"?>
+<p:sld xmlns:a="http://schemas.openxmlformats.org/drawingml/2006/main" xmlns:r="http://schemas.openxmlformats.org/officeDocument/2006/relationships" xmlns:p="http://schemas.openxmlformats.org/presentationml/2006/main">
+  <p:cSld>
+    <p:spTree>
+      <p:nvGrpSpPr>
+        <p:cNvPr id="1" name=""/>
+        <p:cNvGrpSpPr/>
+        <p:nvPr/>
+      </p:nvGrpSpPr>
+      <p:grpSpPr>
+        <a:xfrm>
+          <a:off x="0" y="0"/>
+          <a:ext cx="0" cy="0"/>
+          <a:chOff x="0" y="0"/>
+          <a:chExt cx="0" cy="0"/>
+        </a:xfrm>
+      </p:grpSpPr>
+      <p:sp>
+        <p:nvSpPr>
+          <p:cNvPr id="2" name="Заголовок 1">
+            <a:extLst>
+              <a:ext uri="{FF2B5EF4-FFF2-40B4-BE49-F238E27FC236}">
+                <a16:creationId xmlns:a16="http://schemas.microsoft.com/office/drawing/2014/main" id="{6368A328-7488-0111-DFEE-0E9FA767C066}"/>
+              </a:ext>
+            </a:extLst>
+          </p:cNvPr>
+          <p:cNvSpPr>
+            <a:spLocks noGrp="1"/>
+          </p:cNvSpPr>
+          <p:nvPr>
+            <p:ph type="title"/>
+          </p:nvPr>
+        </p:nvSpPr>
+        <p:spPr/>
+        <p:txBody>
+          <a:bodyPr/>
+          <a:lstStyle/>
+          <a:p>
+            <a:r>
+              <a:rPr lang="ru-RU" dirty="0"/>
+              <a:t>Процесс получения услуги (как будет)</a:t>
+            </a:r>
+          </a:p>
+        </p:txBody>
+      </p:sp>
+      <p:pic>
+        <p:nvPicPr>
+          <p:cNvPr id="5" name="Объект 4">
+            <a:extLst>
+              <a:ext uri="{FF2B5EF4-FFF2-40B4-BE49-F238E27FC236}">
+                <a16:creationId xmlns:a16="http://schemas.microsoft.com/office/drawing/2014/main" id="{8944BFE2-3849-1914-2799-01F1E9A2A06B}"/>
+              </a:ext>
+            </a:extLst>
+          </p:cNvPr>
+          <p:cNvPicPr>
+            <a:picLocks noGrp="1" noChangeAspect="1"/>
+          </p:cNvPicPr>
+          <p:nvPr>
+            <p:ph idx="1"/>
+          </p:nvPr>
+        </p:nvPicPr>
+        <p:blipFill>
+          <a:blip r:embed="rId2"/>
+          <a:stretch>
+            <a:fillRect/>
+          </a:stretch>
+        </p:blipFill>
+        <p:spPr>
+          <a:xfrm>
+            <a:off x="1328417" y="1825625"/>
+            <a:ext cx="9535166" cy="4351338"/>
+          </a:xfrm>
+        </p:spPr>
+      </p:pic>
+    </p:spTree>
+    <p:extLst>
+      <p:ext uri="{BB962C8B-B14F-4D97-AF65-F5344CB8AC3E}">
+        <p14:creationId xmlns:p14="http://schemas.microsoft.com/office/powerpoint/2010/main" val="3390970608"/>
+      </p:ext>
+    </p:extLst>
+  </p:cSld>
+  <p:clrMapOvr>
+    <a:masterClrMapping/>
+  </p:clrMapOvr>
+</p:sld>
+</file>
+
+<file path=ppt/slides/slide5.xml><?xml version="1.0" encoding="utf-8"?>
 <p:sld xmlns:a="http://schemas.openxmlformats.org/drawingml/2006/main" xmlns:r="http://schemas.openxmlformats.org/officeDocument/2006/relationships" xmlns:p="http://schemas.openxmlformats.org/presentationml/2006/main">
   <p:cSld>
     <p:spTree>
@@ -3306,7 +3448,7 @@
 </p:sld>
 </file>
 
-<file path=ppt/slides/slide4.xml><?xml version="1.0" encoding="utf-8"?>
+<file path=ppt/slides/slide6.xml><?xml version="1.0" encoding="utf-8"?>
 <p:sld xmlns:a="http://schemas.openxmlformats.org/drawingml/2006/main" xmlns:r="http://schemas.openxmlformats.org/officeDocument/2006/relationships" xmlns:p="http://schemas.openxmlformats.org/presentationml/2006/main">
   <p:cSld>
     <p:spTree>
@@ -3415,7 +3557,7 @@
 </p:sld>
 </file>
 
-<file path=ppt/slides/slide5.xml><?xml version="1.0" encoding="utf-8"?>
+<file path=ppt/slides/slide7.xml><?xml version="1.0" encoding="utf-8"?>
 <p:sld xmlns:a="http://schemas.openxmlformats.org/drawingml/2006/main" xmlns:r="http://schemas.openxmlformats.org/officeDocument/2006/relationships" xmlns:p="http://schemas.openxmlformats.org/presentationml/2006/main">
   <p:cSld>
     <p:spTree>
@@ -3513,7 +3655,7 @@
 </p:sld>
 </file>
 
-<file path=ppt/slides/slide6.xml><?xml version="1.0" encoding="utf-8"?>
+<file path=ppt/slides/slide8.xml><?xml version="1.0" encoding="utf-8"?>
 <p:sld xmlns:a="http://schemas.openxmlformats.org/drawingml/2006/main" xmlns:r="http://schemas.openxmlformats.org/officeDocument/2006/relationships" xmlns:p="http://schemas.openxmlformats.org/presentationml/2006/main">
   <p:cSld>
     <p:spTree>
@@ -3616,7 +3758,7 @@
   <a:themeElements>
     <a:clrScheme name="Стандартная">
       <a:dk1>
-        <a:sysClr val="windowText" lastClr="303030"/>
+        <a:sysClr val="windowText" lastClr="000000"/>
       </a:dk1>
       <a:lt1>
         <a:sysClr val="window" lastClr="FFFFFF"/>
